--- a/Slide.pptx
+++ b/Slide.pptx
@@ -108,6 +108,11 @@
       </a:defRPr>
     </a:lvl9pPr>
   </p:defaultTextStyle>
+  <p:extLst>
+    <p:ext uri="{EFAFB233-063F-42B5-8137-9DF3F51BA10A}">
+      <p15:sldGuideLst xmlns:p15="http://schemas.microsoft.com/office/powerpoint/2012/main"/>
+    </p:ext>
+  </p:extLst>
 </p:presentation>
 </file>
 
@@ -6122,6 +6127,13 @@
   <p:clrMapOvr>
     <a:masterClrMapping/>
   </p:clrMapOvr>
+  <p:timing>
+    <p:tnLst>
+      <p:par>
+        <p:cTn id="1" dur="indefinite" restart="never" nodeType="tmRoot"/>
+      </p:par>
+    </p:tnLst>
+  </p:timing>
 </p:sld>
 </file>
 
@@ -6173,10 +6185,31 @@
         </p:nvSpPr>
         <p:spPr/>
         <p:txBody>
-          <a:bodyPr/>
-          <a:lstStyle/>
-          <a:p>
-            <a:endParaRPr lang="en-US"/>
+          <a:bodyPr>
+            <a:normAutofit/>
+          </a:bodyPr>
+          <a:lstStyle/>
+          <a:p>
+            <a:r>
+              <a:rPr lang="en-US" sz="2500" dirty="0" smtClean="0">
+                <a:latin typeface="Times New Roman" panose="02020603050405020304" pitchFamily="18" charset="0"/>
+                <a:cs typeface="Times New Roman" panose="02020603050405020304" pitchFamily="18" charset="0"/>
+              </a:rPr>
+              <a:t>I. CÔNG TY THỰC TẬP</a:t>
+            </a:r>
+          </a:p>
+          <a:p>
+            <a:r>
+              <a:rPr lang="en-US" sz="2500" dirty="0" smtClean="0">
+                <a:latin typeface="Times New Roman" panose="02020603050405020304" pitchFamily="18" charset="0"/>
+                <a:cs typeface="Times New Roman" panose="02020603050405020304" pitchFamily="18" charset="0"/>
+              </a:rPr>
+              <a:t>II. NỘI DUNG CÔNG VIỆC</a:t>
+            </a:r>
+            <a:endParaRPr lang="en-US" sz="2500" dirty="0">
+              <a:latin typeface="Times New Roman" panose="02020603050405020304" pitchFamily="18" charset="0"/>
+              <a:cs typeface="Times New Roman" panose="02020603050405020304" pitchFamily="18" charset="0"/>
+            </a:endParaRPr>
           </a:p>
         </p:txBody>
       </p:sp>
@@ -6190,6 +6223,13 @@
   <p:clrMapOvr>
     <a:masterClrMapping/>
   </p:clrMapOvr>
+  <p:timing>
+    <p:tnLst>
+      <p:par>
+        <p:cTn id="1" dur="indefinite" restart="never" nodeType="tmRoot"/>
+      </p:par>
+    </p:tnLst>
+  </p:timing>
 </p:sld>
 </file>
 
@@ -6222,32 +6262,416 @@
         </p:nvSpPr>
         <p:spPr/>
         <p:txBody>
+          <a:bodyPr>
+            <a:normAutofit/>
+          </a:bodyPr>
+          <a:lstStyle/>
+          <a:p>
+            <a:r>
+              <a:rPr lang="en-US" sz="3000" dirty="0" smtClean="0">
+                <a:latin typeface="Times New Roman" panose="02020603050405020304" pitchFamily="18" charset="0"/>
+                <a:cs typeface="Times New Roman" panose="02020603050405020304" pitchFamily="18" charset="0"/>
+              </a:rPr>
+              <a:t>I. CÔNG TY THỰC TẬP</a:t>
+            </a:r>
+            <a:endParaRPr lang="en-US" sz="3000" dirty="0">
+              <a:latin typeface="Times New Roman" panose="02020603050405020304" pitchFamily="18" charset="0"/>
+              <a:cs typeface="Times New Roman" panose="02020603050405020304" pitchFamily="18" charset="0"/>
+            </a:endParaRPr>
+          </a:p>
+        </p:txBody>
+      </p:sp>
+      <p:sp>
+        <p:nvSpPr>
+          <p:cNvPr id="3" name="Content Placeholder 2"/>
+          <p:cNvSpPr>
+            <a:spLocks noGrp="1"/>
+          </p:cNvSpPr>
+          <p:nvPr>
+            <p:ph idx="1"/>
+          </p:nvPr>
+        </p:nvSpPr>
+        <p:spPr>
+          <a:xfrm>
+            <a:off x="1159405" y="3556000"/>
+            <a:ext cx="8025697" cy="2654301"/>
+          </a:xfrm>
+        </p:spPr>
+        <p:txBody>
           <a:bodyPr/>
           <a:lstStyle/>
           <a:p>
-            <a:endParaRPr lang="en-US"/>
-          </a:p>
-        </p:txBody>
-      </p:sp>
-      <p:sp>
-        <p:nvSpPr>
-          <p:cNvPr id="3" name="Content Placeholder 2"/>
-          <p:cNvSpPr>
-            <a:spLocks noGrp="1"/>
-          </p:cNvSpPr>
-          <p:nvPr>
-            <p:ph idx="1"/>
-          </p:nvPr>
-        </p:nvSpPr>
-        <p:spPr/>
-        <p:txBody>
-          <a:bodyPr/>
-          <a:lstStyle/>
-          <a:p>
-            <a:endParaRPr lang="en-US"/>
-          </a:p>
-        </p:txBody>
-      </p:sp>
+            <a:r>
+              <a:rPr lang="en-US" dirty="0" err="1" smtClean="0">
+                <a:latin typeface="Times New Roman" panose="02020603050405020304" pitchFamily="18" charset="0"/>
+                <a:cs typeface="Times New Roman" panose="02020603050405020304" pitchFamily="18" charset="0"/>
+              </a:rPr>
+              <a:t>Công</a:t>
+            </a:r>
+            <a:r>
+              <a:rPr lang="en-US" dirty="0" smtClean="0">
+                <a:latin typeface="Times New Roman" panose="02020603050405020304" pitchFamily="18" charset="0"/>
+                <a:cs typeface="Times New Roman" panose="02020603050405020304" pitchFamily="18" charset="0"/>
+              </a:rPr>
+              <a:t> ty </a:t>
+            </a:r>
+            <a:r>
+              <a:rPr lang="en-US" dirty="0" err="1" smtClean="0">
+                <a:latin typeface="Times New Roman" panose="02020603050405020304" pitchFamily="18" charset="0"/>
+                <a:cs typeface="Times New Roman" panose="02020603050405020304" pitchFamily="18" charset="0"/>
+              </a:rPr>
+              <a:t>của</a:t>
+            </a:r>
+            <a:r>
+              <a:rPr lang="en-US" dirty="0" smtClean="0">
+                <a:latin typeface="Times New Roman" panose="02020603050405020304" pitchFamily="18" charset="0"/>
+                <a:cs typeface="Times New Roman" panose="02020603050405020304" pitchFamily="18" charset="0"/>
+              </a:rPr>
+              <a:t> </a:t>
+            </a:r>
+            <a:r>
+              <a:rPr lang="en-US" dirty="0" err="1" smtClean="0">
+                <a:latin typeface="Times New Roman" panose="02020603050405020304" pitchFamily="18" charset="0"/>
+                <a:cs typeface="Times New Roman" panose="02020603050405020304" pitchFamily="18" charset="0"/>
+              </a:rPr>
+              <a:t>Nhật</a:t>
+            </a:r>
+            <a:r>
+              <a:rPr lang="en-US" dirty="0" smtClean="0">
+                <a:latin typeface="Times New Roman" panose="02020603050405020304" pitchFamily="18" charset="0"/>
+                <a:cs typeface="Times New Roman" panose="02020603050405020304" pitchFamily="18" charset="0"/>
+              </a:rPr>
+              <a:t> </a:t>
+            </a:r>
+            <a:r>
+              <a:rPr lang="en-US" dirty="0" err="1" smtClean="0">
+                <a:latin typeface="Times New Roman" panose="02020603050405020304" pitchFamily="18" charset="0"/>
+                <a:cs typeface="Times New Roman" panose="02020603050405020304" pitchFamily="18" charset="0"/>
+              </a:rPr>
+              <a:t>Bản</a:t>
+            </a:r>
+            <a:r>
+              <a:rPr lang="en-US" dirty="0" smtClean="0">
+                <a:latin typeface="Times New Roman" panose="02020603050405020304" pitchFamily="18" charset="0"/>
+                <a:cs typeface="Times New Roman" panose="02020603050405020304" pitchFamily="18" charset="0"/>
+              </a:rPr>
+              <a:t> </a:t>
+            </a:r>
+            <a:r>
+              <a:rPr lang="en-US" dirty="0" err="1" smtClean="0">
+                <a:latin typeface="Times New Roman" panose="02020603050405020304" pitchFamily="18" charset="0"/>
+                <a:cs typeface="Times New Roman" panose="02020603050405020304" pitchFamily="18" charset="0"/>
+              </a:rPr>
+              <a:t>thuộc</a:t>
+            </a:r>
+            <a:r>
+              <a:rPr lang="en-US" dirty="0" smtClean="0">
+                <a:latin typeface="Times New Roman" panose="02020603050405020304" pitchFamily="18" charset="0"/>
+                <a:cs typeface="Times New Roman" panose="02020603050405020304" pitchFamily="18" charset="0"/>
+              </a:rPr>
+              <a:t> </a:t>
+            </a:r>
+            <a:r>
+              <a:rPr lang="en-US" dirty="0" err="1" smtClean="0">
+                <a:latin typeface="Times New Roman" panose="02020603050405020304" pitchFamily="18" charset="0"/>
+                <a:cs typeface="Times New Roman" panose="02020603050405020304" pitchFamily="18" charset="0"/>
+              </a:rPr>
+              <a:t>tập</a:t>
+            </a:r>
+            <a:r>
+              <a:rPr lang="en-US" dirty="0" smtClean="0">
+                <a:latin typeface="Times New Roman" panose="02020603050405020304" pitchFamily="18" charset="0"/>
+                <a:cs typeface="Times New Roman" panose="02020603050405020304" pitchFamily="18" charset="0"/>
+              </a:rPr>
+              <a:t> </a:t>
+            </a:r>
+            <a:r>
+              <a:rPr lang="en-US" dirty="0" err="1" smtClean="0">
+                <a:latin typeface="Times New Roman" panose="02020603050405020304" pitchFamily="18" charset="0"/>
+                <a:cs typeface="Times New Roman" panose="02020603050405020304" pitchFamily="18" charset="0"/>
+              </a:rPr>
+              <a:t>đoàn</a:t>
+            </a:r>
+            <a:r>
+              <a:rPr lang="en-US" dirty="0" smtClean="0">
+                <a:latin typeface="Times New Roman" panose="02020603050405020304" pitchFamily="18" charset="0"/>
+                <a:cs typeface="Times New Roman" panose="02020603050405020304" pitchFamily="18" charset="0"/>
+              </a:rPr>
+              <a:t> TEMP-GROUP – </a:t>
+            </a:r>
+            <a:r>
+              <a:rPr lang="en-US" dirty="0" err="1" smtClean="0">
+                <a:latin typeface="Times New Roman" panose="02020603050405020304" pitchFamily="18" charset="0"/>
+                <a:cs typeface="Times New Roman" panose="02020603050405020304" pitchFamily="18" charset="0"/>
+              </a:rPr>
+              <a:t>tập</a:t>
+            </a:r>
+            <a:r>
+              <a:rPr lang="en-US" dirty="0" smtClean="0">
+                <a:latin typeface="Times New Roman" panose="02020603050405020304" pitchFamily="18" charset="0"/>
+                <a:cs typeface="Times New Roman" panose="02020603050405020304" pitchFamily="18" charset="0"/>
+              </a:rPr>
+              <a:t> </a:t>
+            </a:r>
+            <a:r>
+              <a:rPr lang="en-US" dirty="0" err="1" smtClean="0">
+                <a:latin typeface="Times New Roman" panose="02020603050405020304" pitchFamily="18" charset="0"/>
+                <a:cs typeface="Times New Roman" panose="02020603050405020304" pitchFamily="18" charset="0"/>
+              </a:rPr>
+              <a:t>đoàn</a:t>
+            </a:r>
+            <a:r>
+              <a:rPr lang="en-US" dirty="0" smtClean="0">
+                <a:latin typeface="Times New Roman" panose="02020603050405020304" pitchFamily="18" charset="0"/>
+                <a:cs typeface="Times New Roman" panose="02020603050405020304" pitchFamily="18" charset="0"/>
+              </a:rPr>
+              <a:t> </a:t>
+            </a:r>
+            <a:r>
+              <a:rPr lang="en-US" dirty="0" err="1" smtClean="0">
+                <a:latin typeface="Times New Roman" panose="02020603050405020304" pitchFamily="18" charset="0"/>
+                <a:cs typeface="Times New Roman" panose="02020603050405020304" pitchFamily="18" charset="0"/>
+              </a:rPr>
+              <a:t>lớn</a:t>
+            </a:r>
+            <a:r>
+              <a:rPr lang="en-US" dirty="0" smtClean="0">
+                <a:latin typeface="Times New Roman" panose="02020603050405020304" pitchFamily="18" charset="0"/>
+                <a:cs typeface="Times New Roman" panose="02020603050405020304" pitchFamily="18" charset="0"/>
+              </a:rPr>
+              <a:t> </a:t>
+            </a:r>
+            <a:r>
+              <a:rPr lang="en-US" dirty="0" err="1" smtClean="0">
+                <a:latin typeface="Times New Roman" panose="02020603050405020304" pitchFamily="18" charset="0"/>
+                <a:cs typeface="Times New Roman" panose="02020603050405020304" pitchFamily="18" charset="0"/>
+              </a:rPr>
+              <a:t>thứ</a:t>
+            </a:r>
+            <a:r>
+              <a:rPr lang="en-US" dirty="0" smtClean="0">
+                <a:latin typeface="Times New Roman" panose="02020603050405020304" pitchFamily="18" charset="0"/>
+                <a:cs typeface="Times New Roman" panose="02020603050405020304" pitchFamily="18" charset="0"/>
+              </a:rPr>
+              <a:t> 2 </a:t>
+            </a:r>
+            <a:r>
+              <a:rPr lang="en-US" dirty="0" err="1" smtClean="0">
+                <a:latin typeface="Times New Roman" panose="02020603050405020304" pitchFamily="18" charset="0"/>
+                <a:cs typeface="Times New Roman" panose="02020603050405020304" pitchFamily="18" charset="0"/>
+              </a:rPr>
+              <a:t>của</a:t>
+            </a:r>
+            <a:r>
+              <a:rPr lang="en-US" dirty="0" smtClean="0">
+                <a:latin typeface="Times New Roman" panose="02020603050405020304" pitchFamily="18" charset="0"/>
+                <a:cs typeface="Times New Roman" panose="02020603050405020304" pitchFamily="18" charset="0"/>
+              </a:rPr>
+              <a:t> </a:t>
+            </a:r>
+            <a:r>
+              <a:rPr lang="en-US" dirty="0" err="1" smtClean="0">
+                <a:latin typeface="Times New Roman" panose="02020603050405020304" pitchFamily="18" charset="0"/>
+                <a:cs typeface="Times New Roman" panose="02020603050405020304" pitchFamily="18" charset="0"/>
+              </a:rPr>
+              <a:t>Nhật</a:t>
+            </a:r>
+            <a:r>
+              <a:rPr lang="en-US" dirty="0" smtClean="0">
+                <a:latin typeface="Times New Roman" panose="02020603050405020304" pitchFamily="18" charset="0"/>
+                <a:cs typeface="Times New Roman" panose="02020603050405020304" pitchFamily="18" charset="0"/>
+              </a:rPr>
+              <a:t> </a:t>
+            </a:r>
+            <a:r>
+              <a:rPr lang="en-US" dirty="0" err="1" smtClean="0">
+                <a:latin typeface="Times New Roman" panose="02020603050405020304" pitchFamily="18" charset="0"/>
+                <a:cs typeface="Times New Roman" panose="02020603050405020304" pitchFamily="18" charset="0"/>
+              </a:rPr>
+              <a:t>đứng</a:t>
+            </a:r>
+            <a:r>
+              <a:rPr lang="en-US" dirty="0" smtClean="0">
+                <a:latin typeface="Times New Roman" panose="02020603050405020304" pitchFamily="18" charset="0"/>
+                <a:cs typeface="Times New Roman" panose="02020603050405020304" pitchFamily="18" charset="0"/>
+              </a:rPr>
+              <a:t> </a:t>
+            </a:r>
+            <a:r>
+              <a:rPr lang="en-US" dirty="0" err="1" smtClean="0">
+                <a:latin typeface="Times New Roman" panose="02020603050405020304" pitchFamily="18" charset="0"/>
+                <a:cs typeface="Times New Roman" panose="02020603050405020304" pitchFamily="18" charset="0"/>
+              </a:rPr>
+              <a:t>thứ</a:t>
+            </a:r>
+            <a:r>
+              <a:rPr lang="en-US" dirty="0" smtClean="0">
+                <a:latin typeface="Times New Roman" panose="02020603050405020304" pitchFamily="18" charset="0"/>
+                <a:cs typeface="Times New Roman" panose="02020603050405020304" pitchFamily="18" charset="0"/>
+              </a:rPr>
+              <a:t> 9 </a:t>
+            </a:r>
+            <a:r>
+              <a:rPr lang="en-US" dirty="0" err="1" smtClean="0">
+                <a:latin typeface="Times New Roman" panose="02020603050405020304" pitchFamily="18" charset="0"/>
+                <a:cs typeface="Times New Roman" panose="02020603050405020304" pitchFamily="18" charset="0"/>
+              </a:rPr>
+              <a:t>của</a:t>
+            </a:r>
+            <a:r>
+              <a:rPr lang="en-US" dirty="0" smtClean="0">
+                <a:latin typeface="Times New Roman" panose="02020603050405020304" pitchFamily="18" charset="0"/>
+                <a:cs typeface="Times New Roman" panose="02020603050405020304" pitchFamily="18" charset="0"/>
+              </a:rPr>
+              <a:t> </a:t>
+            </a:r>
+            <a:r>
+              <a:rPr lang="en-US" dirty="0" err="1" smtClean="0">
+                <a:latin typeface="Times New Roman" panose="02020603050405020304" pitchFamily="18" charset="0"/>
+                <a:cs typeface="Times New Roman" panose="02020603050405020304" pitchFamily="18" charset="0"/>
+              </a:rPr>
+              <a:t>thế</a:t>
+            </a:r>
+            <a:r>
+              <a:rPr lang="en-US" dirty="0" smtClean="0">
+                <a:latin typeface="Times New Roman" panose="02020603050405020304" pitchFamily="18" charset="0"/>
+                <a:cs typeface="Times New Roman" panose="02020603050405020304" pitchFamily="18" charset="0"/>
+              </a:rPr>
+              <a:t> </a:t>
+            </a:r>
+            <a:r>
+              <a:rPr lang="en-US" dirty="0" err="1" smtClean="0">
+                <a:latin typeface="Times New Roman" panose="02020603050405020304" pitchFamily="18" charset="0"/>
+                <a:cs typeface="Times New Roman" panose="02020603050405020304" pitchFamily="18" charset="0"/>
+              </a:rPr>
+              <a:t>giới</a:t>
+            </a:r>
+            <a:r>
+              <a:rPr lang="en-US" dirty="0" smtClean="0">
+                <a:latin typeface="Times New Roman" panose="02020603050405020304" pitchFamily="18" charset="0"/>
+                <a:cs typeface="Times New Roman" panose="02020603050405020304" pitchFamily="18" charset="0"/>
+              </a:rPr>
+              <a:t>.</a:t>
+            </a:r>
+          </a:p>
+          <a:p>
+            <a:r>
+              <a:rPr lang="en-US" dirty="0" err="1" smtClean="0">
+                <a:latin typeface="Times New Roman" panose="02020603050405020304" pitchFamily="18" charset="0"/>
+                <a:cs typeface="Times New Roman" panose="02020603050405020304" pitchFamily="18" charset="0"/>
+              </a:rPr>
+              <a:t>Công</a:t>
+            </a:r>
+            <a:r>
+              <a:rPr lang="en-US" dirty="0" smtClean="0">
+                <a:latin typeface="Times New Roman" panose="02020603050405020304" pitchFamily="18" charset="0"/>
+                <a:cs typeface="Times New Roman" panose="02020603050405020304" pitchFamily="18" charset="0"/>
+              </a:rPr>
+              <a:t> ty IBSVN </a:t>
+            </a:r>
+            <a:r>
+              <a:rPr lang="en-US" dirty="0" err="1" smtClean="0">
+                <a:latin typeface="Times New Roman" panose="02020603050405020304" pitchFamily="18" charset="0"/>
+                <a:cs typeface="Times New Roman" panose="02020603050405020304" pitchFamily="18" charset="0"/>
+              </a:rPr>
+              <a:t>thành</a:t>
+            </a:r>
+            <a:r>
+              <a:rPr lang="en-US" dirty="0" smtClean="0">
+                <a:latin typeface="Times New Roman" panose="02020603050405020304" pitchFamily="18" charset="0"/>
+                <a:cs typeface="Times New Roman" panose="02020603050405020304" pitchFamily="18" charset="0"/>
+              </a:rPr>
+              <a:t> </a:t>
+            </a:r>
+            <a:r>
+              <a:rPr lang="en-US" dirty="0" err="1" smtClean="0">
+                <a:latin typeface="Times New Roman" panose="02020603050405020304" pitchFamily="18" charset="0"/>
+                <a:cs typeface="Times New Roman" panose="02020603050405020304" pitchFamily="18" charset="0"/>
+              </a:rPr>
+              <a:t>lập</a:t>
+            </a:r>
+            <a:r>
+              <a:rPr lang="en-US" dirty="0" smtClean="0">
+                <a:latin typeface="Times New Roman" panose="02020603050405020304" pitchFamily="18" charset="0"/>
+                <a:cs typeface="Times New Roman" panose="02020603050405020304" pitchFamily="18" charset="0"/>
+              </a:rPr>
+              <a:t> </a:t>
+            </a:r>
+            <a:r>
+              <a:rPr lang="en-US" dirty="0" err="1" smtClean="0">
+                <a:latin typeface="Times New Roman" panose="02020603050405020304" pitchFamily="18" charset="0"/>
+                <a:cs typeface="Times New Roman" panose="02020603050405020304" pitchFamily="18" charset="0"/>
+              </a:rPr>
+              <a:t>tháng</a:t>
+            </a:r>
+            <a:r>
+              <a:rPr lang="en-US" dirty="0" smtClean="0">
+                <a:latin typeface="Times New Roman" panose="02020603050405020304" pitchFamily="18" charset="0"/>
+                <a:cs typeface="Times New Roman" panose="02020603050405020304" pitchFamily="18" charset="0"/>
+              </a:rPr>
+              <a:t> 10 2013</a:t>
+            </a:r>
+            <a:endParaRPr lang="en-US" dirty="0">
+              <a:latin typeface="Times New Roman" panose="02020603050405020304" pitchFamily="18" charset="0"/>
+              <a:cs typeface="Times New Roman" panose="02020603050405020304" pitchFamily="18" charset="0"/>
+            </a:endParaRPr>
+          </a:p>
+        </p:txBody>
+      </p:sp>
+      <p:pic>
+        <p:nvPicPr>
+          <p:cNvPr id="1026" name="Picture 2" descr="53345"/>
+          <p:cNvPicPr>
+            <a:picLocks noChangeAspect="1" noChangeArrowheads="1"/>
+          </p:cNvPicPr>
+          <p:nvPr/>
+        </p:nvPicPr>
+        <p:blipFill>
+          <a:blip r:embed="rId2">
+            <a:extLst>
+              <a:ext uri="{28A0092B-C50C-407E-A947-70E740481C1C}">
+                <a14:useLocalDpi xmlns:a14="http://schemas.microsoft.com/office/drawing/2010/main" val="0"/>
+              </a:ext>
+            </a:extLst>
+          </a:blip>
+          <a:srcRect/>
+          <a:stretch>
+            <a:fillRect/>
+          </a:stretch>
+        </p:blipFill>
+        <p:spPr bwMode="auto">
+          <a:xfrm>
+            <a:off x="1349905" y="1270000"/>
+            <a:ext cx="6400800" cy="2286000"/>
+          </a:xfrm>
+          <a:prstGeom prst="rect">
+            <a:avLst/>
+          </a:prstGeom>
+          <a:noFill/>
+          <a:ln>
+            <a:noFill/>
+          </a:ln>
+          <a:extLst>
+            <a:ext uri="{909E8E84-426E-40DD-AFC4-6F175D3DCCD1}">
+              <a14:hiddenFill xmlns:a14="http://schemas.microsoft.com/office/drawing/2010/main">
+                <a:solidFill>
+                  <a:srgbClr val="FFFFFF"/>
+                </a:solidFill>
+              </a14:hiddenFill>
+            </a:ext>
+            <a:ext uri="{91240B29-F687-4F45-9708-019B960494DF}">
+              <a14:hiddenLine xmlns:a14="http://schemas.microsoft.com/office/drawing/2010/main" w="9525">
+                <a:solidFill>
+                  <a:srgbClr val="000000"/>
+                </a:solidFill>
+                <a:miter lim="800000"/>
+                <a:headEnd/>
+                <a:tailEnd/>
+              </a14:hiddenLine>
+            </a:ext>
+          </a:extLst>
+        </p:spPr>
+      </p:pic>
     </p:spTree>
     <p:extLst>
       <p:ext uri="{BB962C8B-B14F-4D97-AF65-F5344CB8AC3E}">
@@ -6258,6 +6682,13 @@
   <p:clrMapOvr>
     <a:masterClrMapping/>
   </p:clrMapOvr>
+  <p:timing>
+    <p:tnLst>
+      <p:par>
+        <p:cTn id="1" dur="indefinite" restart="never" nodeType="tmRoot"/>
+      </p:par>
+    </p:tnLst>
+  </p:timing>
 </p:sld>
 </file>
 
@@ -6280,7 +6711,89 @@
       </p:grpSpPr>
       <p:sp>
         <p:nvSpPr>
-          <p:cNvPr id="2" name="Title 1"/>
+          <p:cNvPr id="3" name="Content Placeholder 2"/>
+          <p:cNvSpPr>
+            <a:spLocks noGrp="1"/>
+          </p:cNvSpPr>
+          <p:nvPr>
+            <p:ph idx="1"/>
+          </p:nvPr>
+        </p:nvSpPr>
+        <p:spPr/>
+        <p:txBody>
+          <a:bodyPr>
+            <a:normAutofit/>
+          </a:bodyPr>
+          <a:lstStyle/>
+          <a:p>
+            <a:r>
+              <a:rPr lang="en-US" dirty="0" err="1" smtClean="0">
+                <a:latin typeface="Times New Roman" panose="02020603050405020304" pitchFamily="18" charset="0"/>
+                <a:cs typeface="Times New Roman" panose="02020603050405020304" pitchFamily="18" charset="0"/>
+              </a:rPr>
+              <a:t>Lập</a:t>
+            </a:r>
+            <a:r>
+              <a:rPr lang="en-US" dirty="0" smtClean="0">
+                <a:latin typeface="Times New Roman" panose="02020603050405020304" pitchFamily="18" charset="0"/>
+                <a:cs typeface="Times New Roman" panose="02020603050405020304" pitchFamily="18" charset="0"/>
+              </a:rPr>
+              <a:t> </a:t>
+            </a:r>
+            <a:r>
+              <a:rPr lang="en-US" dirty="0" err="1" smtClean="0">
+                <a:latin typeface="Times New Roman" panose="02020603050405020304" pitchFamily="18" charset="0"/>
+                <a:cs typeface="Times New Roman" panose="02020603050405020304" pitchFamily="18" charset="0"/>
+              </a:rPr>
+              <a:t>trình</a:t>
+            </a:r>
+            <a:r>
+              <a:rPr lang="en-US" dirty="0" smtClean="0">
+                <a:latin typeface="Times New Roman" panose="02020603050405020304" pitchFamily="18" charset="0"/>
+                <a:cs typeface="Times New Roman" panose="02020603050405020304" pitchFamily="18" charset="0"/>
+              </a:rPr>
+              <a:t> VBA</a:t>
+            </a:r>
+          </a:p>
+          <a:p>
+            <a:r>
+              <a:rPr lang="en-US" dirty="0" err="1" smtClean="0">
+                <a:latin typeface="Times New Roman" panose="02020603050405020304" pitchFamily="18" charset="0"/>
+                <a:cs typeface="Times New Roman" panose="02020603050405020304" pitchFamily="18" charset="0"/>
+              </a:rPr>
+              <a:t>Lập</a:t>
+            </a:r>
+            <a:r>
+              <a:rPr lang="en-US" dirty="0" smtClean="0">
+                <a:latin typeface="Times New Roman" panose="02020603050405020304" pitchFamily="18" charset="0"/>
+                <a:cs typeface="Times New Roman" panose="02020603050405020304" pitchFamily="18" charset="0"/>
+              </a:rPr>
+              <a:t> </a:t>
+            </a:r>
+            <a:r>
+              <a:rPr lang="en-US" dirty="0" err="1" smtClean="0">
+                <a:latin typeface="Times New Roman" panose="02020603050405020304" pitchFamily="18" charset="0"/>
+                <a:cs typeface="Times New Roman" panose="02020603050405020304" pitchFamily="18" charset="0"/>
+              </a:rPr>
+              <a:t>trình</a:t>
+            </a:r>
+            <a:r>
+              <a:rPr lang="en-US" dirty="0" smtClean="0">
+                <a:latin typeface="Times New Roman" panose="02020603050405020304" pitchFamily="18" charset="0"/>
+                <a:cs typeface="Times New Roman" panose="02020603050405020304" pitchFamily="18" charset="0"/>
+              </a:rPr>
+              <a:t> Front-end</a:t>
+            </a:r>
+            <a:endParaRPr lang="en-US" dirty="0">
+              <a:latin typeface="Times New Roman" panose="02020603050405020304" pitchFamily="18" charset="0"/>
+              <a:cs typeface="Times New Roman" panose="02020603050405020304" pitchFamily="18" charset="0"/>
+            </a:endParaRPr>
+          </a:p>
+        </p:txBody>
+      </p:sp>
+      <p:sp>
+        <p:nvSpPr>
+          <p:cNvPr id="4" name="Title 1"/>
           <p:cNvSpPr>
             <a:spLocks noGrp="1"/>
           </p:cNvSpPr>
@@ -6290,29 +6803,22 @@
         </p:nvSpPr>
         <p:spPr/>
         <p:txBody>
-          <a:bodyPr/>
-          <a:lstStyle/>
-          <a:p>
-            <a:endParaRPr lang="en-US"/>
-          </a:p>
-        </p:txBody>
-      </p:sp>
-      <p:sp>
-        <p:nvSpPr>
-          <p:cNvPr id="3" name="Content Placeholder 2"/>
-          <p:cNvSpPr>
-            <a:spLocks noGrp="1"/>
-          </p:cNvSpPr>
-          <p:nvPr>
-            <p:ph idx="1"/>
-          </p:nvPr>
-        </p:nvSpPr>
-        <p:spPr/>
-        <p:txBody>
-          <a:bodyPr/>
-          <a:lstStyle/>
-          <a:p>
-            <a:endParaRPr lang="en-US"/>
+          <a:bodyPr>
+            <a:normAutofit/>
+          </a:bodyPr>
+          <a:lstStyle/>
+          <a:p>
+            <a:r>
+              <a:rPr lang="en-US" sz="3000" dirty="0" smtClean="0">
+                <a:latin typeface="Times New Roman" panose="02020603050405020304" pitchFamily="18" charset="0"/>
+                <a:cs typeface="Times New Roman" panose="02020603050405020304" pitchFamily="18" charset="0"/>
+              </a:rPr>
+              <a:t>II. CÔNG VIỆC</a:t>
+            </a:r>
+            <a:endParaRPr lang="en-US" sz="3000" dirty="0">
+              <a:latin typeface="Times New Roman" panose="02020603050405020304" pitchFamily="18" charset="0"/>
+              <a:cs typeface="Times New Roman" panose="02020603050405020304" pitchFamily="18" charset="0"/>
+            </a:endParaRPr>
           </a:p>
         </p:txBody>
       </p:sp>
@@ -6361,48 +6867,44 @@
           <a:bodyPr/>
           <a:lstStyle/>
           <a:p>
+            <a:pPr algn="ctr"/>
+            <a:r>
+              <a:rPr lang="en-US" dirty="0" smtClean="0"/>
+              <a:t>The end</a:t>
+            </a:r>
             <a:endParaRPr lang="en-US" dirty="0"/>
           </a:p>
         </p:txBody>
       </p:sp>
-      <p:sp>
-        <p:nvSpPr>
-          <p:cNvPr id="3" name="Content Placeholder 2"/>
-          <p:cNvSpPr>
-            <a:spLocks noGrp="1"/>
-          </p:cNvSpPr>
+      <p:pic>
+        <p:nvPicPr>
+          <p:cNvPr id="4" name="Content Placeholder 3"/>
+          <p:cNvPicPr>
+            <a:picLocks noGrp="1" noChangeAspect="1"/>
+          </p:cNvPicPr>
           <p:nvPr>
             <p:ph idx="1"/>
           </p:nvPr>
-        </p:nvSpPr>
-        <p:spPr/>
-        <p:txBody>
-          <a:bodyPr/>
-          <a:lstStyle/>
-          <a:p>
-            <a:r>
-              <a:rPr lang="en-US" dirty="0" smtClean="0">
-                <a:latin typeface="Times New Roman" panose="02020603050405020304" pitchFamily="18" charset="0"/>
-                <a:cs typeface="Times New Roman" panose="02020603050405020304" pitchFamily="18" charset="0"/>
-              </a:rPr>
-              <a:t>I. CÔNG TY THỰC TẬP</a:t>
-            </a:r>
-          </a:p>
-          <a:p>
-            <a:r>
-              <a:rPr lang="en-US" dirty="0" smtClean="0">
-                <a:latin typeface="Times New Roman" panose="02020603050405020304" pitchFamily="18" charset="0"/>
-                <a:cs typeface="Times New Roman" panose="02020603050405020304" pitchFamily="18" charset="0"/>
-              </a:rPr>
-              <a:t>II. CÔNG VIỆC</a:t>
-            </a:r>
-            <a:endParaRPr lang="en-US" dirty="0">
-              <a:latin typeface="Times New Roman" panose="02020603050405020304" pitchFamily="18" charset="0"/>
-              <a:cs typeface="Times New Roman" panose="02020603050405020304" pitchFamily="18" charset="0"/>
-            </a:endParaRPr>
-          </a:p>
-        </p:txBody>
-      </p:sp>
+        </p:nvPicPr>
+        <p:blipFill>
+          <a:blip r:embed="rId2">
+            <a:extLst>
+              <a:ext uri="{28A0092B-C50C-407E-A947-70E740481C1C}">
+                <a14:useLocalDpi xmlns:a14="http://schemas.microsoft.com/office/drawing/2010/main" val="0"/>
+              </a:ext>
+            </a:extLst>
+          </a:blip>
+          <a:stretch>
+            <a:fillRect/>
+          </a:stretch>
+        </p:blipFill>
+        <p:spPr>
+          <a:xfrm>
+            <a:off x="2667000" y="2451796"/>
+            <a:ext cx="5168899" cy="3871684"/>
+          </a:xfrm>
+        </p:spPr>
+      </p:pic>
     </p:spTree>
     <p:extLst>
       <p:ext uri="{BB962C8B-B14F-4D97-AF65-F5344CB8AC3E}">
